--- a/images.pptx
+++ b/images.pptx
@@ -9,6 +9,7 @@
     <p:sldId id="258" r:id="rId3"/>
     <p:sldId id="259" r:id="rId4"/>
     <p:sldId id="260" r:id="rId5"/>
+    <p:sldId id="261" r:id="rId6"/>
   </p:sldIdLst>
   <p:sldSz cx="21912263" cy="10817225"/>
   <p:notesSz cx="6858000" cy="9144000"/>
@@ -246,7 +247,7 @@
           <a:p>
             <a:fld id="{5F55CBFB-22E7-435F-BD47-16CF4C657B89}" type="datetimeFigureOut">
               <a:rPr lang="en-US" smtClean="0"/>
-              <a:t>12/21/2025</a:t>
+              <a:t>1/4/2026</a:t>
             </a:fld>
             <a:endParaRPr lang="en-US"/>
           </a:p>
@@ -416,7 +417,7 @@
           <a:p>
             <a:fld id="{5F55CBFB-22E7-435F-BD47-16CF4C657B89}" type="datetimeFigureOut">
               <a:rPr lang="en-US" smtClean="0"/>
-              <a:t>12/21/2025</a:t>
+              <a:t>1/4/2026</a:t>
             </a:fld>
             <a:endParaRPr lang="en-US"/>
           </a:p>
@@ -596,7 +597,7 @@
           <a:p>
             <a:fld id="{5F55CBFB-22E7-435F-BD47-16CF4C657B89}" type="datetimeFigureOut">
               <a:rPr lang="en-US" smtClean="0"/>
-              <a:t>12/21/2025</a:t>
+              <a:t>1/4/2026</a:t>
             </a:fld>
             <a:endParaRPr lang="en-US"/>
           </a:p>
@@ -766,7 +767,7 @@
           <a:p>
             <a:fld id="{5F55CBFB-22E7-435F-BD47-16CF4C657B89}" type="datetimeFigureOut">
               <a:rPr lang="en-US" smtClean="0"/>
-              <a:t>12/21/2025</a:t>
+              <a:t>1/4/2026</a:t>
             </a:fld>
             <a:endParaRPr lang="en-US"/>
           </a:p>
@@ -1012,7 +1013,7 @@
           <a:p>
             <a:fld id="{5F55CBFB-22E7-435F-BD47-16CF4C657B89}" type="datetimeFigureOut">
               <a:rPr lang="en-US" smtClean="0"/>
-              <a:t>12/21/2025</a:t>
+              <a:t>1/4/2026</a:t>
             </a:fld>
             <a:endParaRPr lang="en-US"/>
           </a:p>
@@ -1244,7 +1245,7 @@
           <a:p>
             <a:fld id="{5F55CBFB-22E7-435F-BD47-16CF4C657B89}" type="datetimeFigureOut">
               <a:rPr lang="en-US" smtClean="0"/>
-              <a:t>12/21/2025</a:t>
+              <a:t>1/4/2026</a:t>
             </a:fld>
             <a:endParaRPr lang="en-US"/>
           </a:p>
@@ -1611,7 +1612,7 @@
           <a:p>
             <a:fld id="{5F55CBFB-22E7-435F-BD47-16CF4C657B89}" type="datetimeFigureOut">
               <a:rPr lang="en-US" smtClean="0"/>
-              <a:t>12/21/2025</a:t>
+              <a:t>1/4/2026</a:t>
             </a:fld>
             <a:endParaRPr lang="en-US"/>
           </a:p>
@@ -1729,7 +1730,7 @@
           <a:p>
             <a:fld id="{5F55CBFB-22E7-435F-BD47-16CF4C657B89}" type="datetimeFigureOut">
               <a:rPr lang="en-US" smtClean="0"/>
-              <a:t>12/21/2025</a:t>
+              <a:t>1/4/2026</a:t>
             </a:fld>
             <a:endParaRPr lang="en-US"/>
           </a:p>
@@ -1824,7 +1825,7 @@
           <a:p>
             <a:fld id="{5F55CBFB-22E7-435F-BD47-16CF4C657B89}" type="datetimeFigureOut">
               <a:rPr lang="en-US" smtClean="0"/>
-              <a:t>12/21/2025</a:t>
+              <a:t>1/4/2026</a:t>
             </a:fld>
             <a:endParaRPr lang="en-US"/>
           </a:p>
@@ -2101,7 +2102,7 @@
           <a:p>
             <a:fld id="{5F55CBFB-22E7-435F-BD47-16CF4C657B89}" type="datetimeFigureOut">
               <a:rPr lang="en-US" smtClean="0"/>
-              <a:t>12/21/2025</a:t>
+              <a:t>1/4/2026</a:t>
             </a:fld>
             <a:endParaRPr lang="en-US"/>
           </a:p>
@@ -2358,7 +2359,7 @@
           <a:p>
             <a:fld id="{5F55CBFB-22E7-435F-BD47-16CF4C657B89}" type="datetimeFigureOut">
               <a:rPr lang="en-US" smtClean="0"/>
-              <a:t>12/21/2025</a:t>
+              <a:t>1/4/2026</a:t>
             </a:fld>
             <a:endParaRPr lang="en-US"/>
           </a:p>
@@ -2571,7 +2572,7 @@
           <a:p>
             <a:fld id="{5F55CBFB-22E7-435F-BD47-16CF4C657B89}" type="datetimeFigureOut">
               <a:rPr lang="en-US" smtClean="0"/>
-              <a:t>12/21/2025</a:t>
+              <a:t>1/4/2026</a:t>
             </a:fld>
             <a:endParaRPr lang="en-US"/>
           </a:p>
@@ -9213,8 +9214,8 @@
           </a:fontRef>
         </p:style>
       </p:cxnSp>
-      <mc:AlternateContent xmlns:mc="http://schemas.openxmlformats.org/markup-compatibility/2006">
-        <mc:Choice xmlns:a14="http://schemas.microsoft.com/office/drawing/2010/main" Requires="a14">
+      <mc:AlternateContent xmlns:mc="http://schemas.openxmlformats.org/markup-compatibility/2006" xmlns:a14="http://schemas.microsoft.com/office/drawing/2010/main">
+        <mc:Choice Requires="a14">
           <p:sp>
             <p:nvSpPr>
               <p:cNvPr id="15" name="TextBox 14">
@@ -9288,7 +9289,7 @@
             </p:txBody>
           </p:sp>
         </mc:Choice>
-        <mc:Fallback>
+        <mc:Fallback xmlns="">
           <p:sp>
             <p:nvSpPr>
               <p:cNvPr id="15" name="TextBox 14">
@@ -9333,8 +9334,8 @@
           </p:sp>
         </mc:Fallback>
       </mc:AlternateContent>
-      <mc:AlternateContent xmlns:mc="http://schemas.openxmlformats.org/markup-compatibility/2006">
-        <mc:Choice xmlns:a14="http://schemas.microsoft.com/office/drawing/2010/main" Requires="a14">
+      <mc:AlternateContent xmlns:mc="http://schemas.openxmlformats.org/markup-compatibility/2006" xmlns:a14="http://schemas.microsoft.com/office/drawing/2010/main">
+        <mc:Choice Requires="a14">
           <p:sp>
             <p:nvSpPr>
               <p:cNvPr id="16" name="TextBox 15">
@@ -9408,7 +9409,7 @@
             </p:txBody>
           </p:sp>
         </mc:Choice>
-        <mc:Fallback>
+        <mc:Fallback xmlns="">
           <p:sp>
             <p:nvSpPr>
               <p:cNvPr id="16" name="TextBox 15">
@@ -9453,8 +9454,8 @@
           </p:sp>
         </mc:Fallback>
       </mc:AlternateContent>
-      <mc:AlternateContent xmlns:mc="http://schemas.openxmlformats.org/markup-compatibility/2006">
-        <mc:Choice xmlns:a14="http://schemas.microsoft.com/office/drawing/2010/main" Requires="a14">
+      <mc:AlternateContent xmlns:mc="http://schemas.openxmlformats.org/markup-compatibility/2006" xmlns:a14="http://schemas.microsoft.com/office/drawing/2010/main">
+        <mc:Choice Requires="a14">
           <p:sp>
             <p:nvSpPr>
               <p:cNvPr id="17" name="TextBox 16">
@@ -9528,7 +9529,7 @@
             </p:txBody>
           </p:sp>
         </mc:Choice>
-        <mc:Fallback>
+        <mc:Fallback xmlns="">
           <p:sp>
             <p:nvSpPr>
               <p:cNvPr id="17" name="TextBox 16">
@@ -9573,8 +9574,8 @@
           </p:sp>
         </mc:Fallback>
       </mc:AlternateContent>
-      <mc:AlternateContent xmlns:mc="http://schemas.openxmlformats.org/markup-compatibility/2006">
-        <mc:Choice xmlns:a14="http://schemas.microsoft.com/office/drawing/2010/main" Requires="a14">
+      <mc:AlternateContent xmlns:mc="http://schemas.openxmlformats.org/markup-compatibility/2006" xmlns:a14="http://schemas.microsoft.com/office/drawing/2010/main">
+        <mc:Choice Requires="a14">
           <p:sp>
             <p:nvSpPr>
               <p:cNvPr id="18" name="TextBox 17">
@@ -9648,7 +9649,7 @@
             </p:txBody>
           </p:sp>
         </mc:Choice>
-        <mc:Fallback>
+        <mc:Fallback xmlns="">
           <p:sp>
             <p:nvSpPr>
               <p:cNvPr id="18" name="TextBox 17">
@@ -9693,8 +9694,8 @@
           </p:sp>
         </mc:Fallback>
       </mc:AlternateContent>
-      <mc:AlternateContent xmlns:mc="http://schemas.openxmlformats.org/markup-compatibility/2006">
-        <mc:Choice xmlns:a14="http://schemas.microsoft.com/office/drawing/2010/main" Requires="a14">
+      <mc:AlternateContent xmlns:mc="http://schemas.openxmlformats.org/markup-compatibility/2006" xmlns:a14="http://schemas.microsoft.com/office/drawing/2010/main">
+        <mc:Choice Requires="a14">
           <p:sp>
             <p:nvSpPr>
               <p:cNvPr id="19" name="TextBox 18">
@@ -9768,7 +9769,7 @@
             </p:txBody>
           </p:sp>
         </mc:Choice>
-        <mc:Fallback>
+        <mc:Fallback xmlns="">
           <p:sp>
             <p:nvSpPr>
               <p:cNvPr id="19" name="TextBox 18">
@@ -9813,8 +9814,8 @@
           </p:sp>
         </mc:Fallback>
       </mc:AlternateContent>
-      <mc:AlternateContent xmlns:mc="http://schemas.openxmlformats.org/markup-compatibility/2006">
-        <mc:Choice xmlns:a14="http://schemas.microsoft.com/office/drawing/2010/main" Requires="a14">
+      <mc:AlternateContent xmlns:mc="http://schemas.openxmlformats.org/markup-compatibility/2006" xmlns:a14="http://schemas.microsoft.com/office/drawing/2010/main">
+        <mc:Choice Requires="a14">
           <p:sp>
             <p:nvSpPr>
               <p:cNvPr id="20" name="TextBox 19">
@@ -9888,7 +9889,7 @@
             </p:txBody>
           </p:sp>
         </mc:Choice>
-        <mc:Fallback>
+        <mc:Fallback xmlns="">
           <p:sp>
             <p:nvSpPr>
               <p:cNvPr id="20" name="TextBox 19">
@@ -9933,8 +9934,8 @@
           </p:sp>
         </mc:Fallback>
       </mc:AlternateContent>
-      <mc:AlternateContent xmlns:mc="http://schemas.openxmlformats.org/markup-compatibility/2006">
-        <mc:Choice xmlns:a14="http://schemas.microsoft.com/office/drawing/2010/main" Requires="a14">
+      <mc:AlternateContent xmlns:mc="http://schemas.openxmlformats.org/markup-compatibility/2006" xmlns:a14="http://schemas.microsoft.com/office/drawing/2010/main">
+        <mc:Choice Requires="a14">
           <p:sp>
             <p:nvSpPr>
               <p:cNvPr id="21" name="TextBox 20">
@@ -10033,7 +10034,7 @@
             </p:txBody>
           </p:sp>
         </mc:Choice>
-        <mc:Fallback>
+        <mc:Fallback xmlns="">
           <p:sp>
             <p:nvSpPr>
               <p:cNvPr id="21" name="TextBox 20">
@@ -10693,8 +10694,8 @@
           </a:fontRef>
         </p:style>
       </p:cxnSp>
-      <mc:AlternateContent xmlns:mc="http://schemas.openxmlformats.org/markup-compatibility/2006">
-        <mc:Choice xmlns:a14="http://schemas.microsoft.com/office/drawing/2010/main" Requires="a14">
+      <mc:AlternateContent xmlns:mc="http://schemas.openxmlformats.org/markup-compatibility/2006" xmlns:a14="http://schemas.microsoft.com/office/drawing/2010/main">
+        <mc:Choice Requires="a14">
           <p:sp>
             <p:nvSpPr>
               <p:cNvPr id="35" name="TextBox 34">
@@ -10768,7 +10769,7 @@
             </p:txBody>
           </p:sp>
         </mc:Choice>
-        <mc:Fallback>
+        <mc:Fallback xmlns="">
           <p:sp>
             <p:nvSpPr>
               <p:cNvPr id="35" name="TextBox 34">
@@ -10813,8 +10814,8 @@
           </p:sp>
         </mc:Fallback>
       </mc:AlternateContent>
-      <mc:AlternateContent xmlns:mc="http://schemas.openxmlformats.org/markup-compatibility/2006">
-        <mc:Choice xmlns:a14="http://schemas.microsoft.com/office/drawing/2010/main" Requires="a14">
+      <mc:AlternateContent xmlns:mc="http://schemas.openxmlformats.org/markup-compatibility/2006" xmlns:a14="http://schemas.microsoft.com/office/drawing/2010/main">
+        <mc:Choice Requires="a14">
           <p:sp>
             <p:nvSpPr>
               <p:cNvPr id="36" name="TextBox 35">
@@ -10888,7 +10889,7 @@
             </p:txBody>
           </p:sp>
         </mc:Choice>
-        <mc:Fallback>
+        <mc:Fallback xmlns="">
           <p:sp>
             <p:nvSpPr>
               <p:cNvPr id="36" name="TextBox 35">
@@ -10933,8 +10934,8 @@
           </p:sp>
         </mc:Fallback>
       </mc:AlternateContent>
-      <mc:AlternateContent xmlns:mc="http://schemas.openxmlformats.org/markup-compatibility/2006">
-        <mc:Choice xmlns:a14="http://schemas.microsoft.com/office/drawing/2010/main" Requires="a14">
+      <mc:AlternateContent xmlns:mc="http://schemas.openxmlformats.org/markup-compatibility/2006" xmlns:a14="http://schemas.microsoft.com/office/drawing/2010/main">
+        <mc:Choice Requires="a14">
           <p:sp>
             <p:nvSpPr>
               <p:cNvPr id="37" name="TextBox 36">
@@ -11008,7 +11009,7 @@
             </p:txBody>
           </p:sp>
         </mc:Choice>
-        <mc:Fallback>
+        <mc:Fallback xmlns="">
           <p:sp>
             <p:nvSpPr>
               <p:cNvPr id="37" name="TextBox 36">
@@ -11053,8 +11054,8 @@
           </p:sp>
         </mc:Fallback>
       </mc:AlternateContent>
-      <mc:AlternateContent xmlns:mc="http://schemas.openxmlformats.org/markup-compatibility/2006">
-        <mc:Choice xmlns:a14="http://schemas.microsoft.com/office/drawing/2010/main" Requires="a14">
+      <mc:AlternateContent xmlns:mc="http://schemas.openxmlformats.org/markup-compatibility/2006" xmlns:a14="http://schemas.microsoft.com/office/drawing/2010/main">
+        <mc:Choice Requires="a14">
           <p:sp>
             <p:nvSpPr>
               <p:cNvPr id="38" name="TextBox 37">
@@ -11128,7 +11129,7 @@
             </p:txBody>
           </p:sp>
         </mc:Choice>
-        <mc:Fallback>
+        <mc:Fallback xmlns="">
           <p:sp>
             <p:nvSpPr>
               <p:cNvPr id="38" name="TextBox 37">
@@ -11173,8 +11174,8 @@
           </p:sp>
         </mc:Fallback>
       </mc:AlternateContent>
-      <mc:AlternateContent xmlns:mc="http://schemas.openxmlformats.org/markup-compatibility/2006">
-        <mc:Choice xmlns:a14="http://schemas.microsoft.com/office/drawing/2010/main" Requires="a14">
+      <mc:AlternateContent xmlns:mc="http://schemas.openxmlformats.org/markup-compatibility/2006" xmlns:a14="http://schemas.microsoft.com/office/drawing/2010/main">
+        <mc:Choice Requires="a14">
           <p:sp>
             <p:nvSpPr>
               <p:cNvPr id="39" name="TextBox 38">
@@ -11248,7 +11249,7 @@
             </p:txBody>
           </p:sp>
         </mc:Choice>
-        <mc:Fallback>
+        <mc:Fallback xmlns="">
           <p:sp>
             <p:nvSpPr>
               <p:cNvPr id="39" name="TextBox 38">
@@ -11293,8 +11294,8 @@
           </p:sp>
         </mc:Fallback>
       </mc:AlternateContent>
-      <mc:AlternateContent xmlns:mc="http://schemas.openxmlformats.org/markup-compatibility/2006">
-        <mc:Choice xmlns:a14="http://schemas.microsoft.com/office/drawing/2010/main" Requires="a14">
+      <mc:AlternateContent xmlns:mc="http://schemas.openxmlformats.org/markup-compatibility/2006" xmlns:a14="http://schemas.microsoft.com/office/drawing/2010/main">
+        <mc:Choice Requires="a14">
           <p:sp>
             <p:nvSpPr>
               <p:cNvPr id="40" name="TextBox 39">
@@ -11393,7 +11394,7 @@
             </p:txBody>
           </p:sp>
         </mc:Choice>
-        <mc:Fallback>
+        <mc:Fallback xmlns="">
           <p:sp>
             <p:nvSpPr>
               <p:cNvPr id="40" name="TextBox 39">
@@ -11786,8 +11787,8 @@
           </a:p>
         </p:txBody>
       </p:sp>
-      <mc:AlternateContent xmlns:mc="http://schemas.openxmlformats.org/markup-compatibility/2006">
-        <mc:Choice xmlns:a14="http://schemas.microsoft.com/office/drawing/2010/main" Requires="a14">
+      <mc:AlternateContent xmlns:mc="http://schemas.openxmlformats.org/markup-compatibility/2006" xmlns:a14="http://schemas.microsoft.com/office/drawing/2010/main">
+        <mc:Choice Requires="a14">
           <p:sp>
             <p:nvSpPr>
               <p:cNvPr id="34" name="TextBox 33">
@@ -11816,7 +11817,6 @@
               </a:bodyPr>
               <a:lstStyle/>
               <a:p>
-                <a:pPr/>
                 <a:r>
                   <a:rPr lang="it-IT" sz="1801" dirty="0"/>
                   <a:t>3</a:t>
@@ -11836,7 +11836,7 @@
             </p:txBody>
           </p:sp>
         </mc:Choice>
-        <mc:Fallback>
+        <mc:Fallback xmlns="">
           <p:sp>
             <p:nvSpPr>
               <p:cNvPr id="34" name="TextBox 33">
@@ -11881,8 +11881,8 @@
           </p:sp>
         </mc:Fallback>
       </mc:AlternateContent>
-      <mc:AlternateContent xmlns:mc="http://schemas.openxmlformats.org/markup-compatibility/2006">
-        <mc:Choice xmlns:a14="http://schemas.microsoft.com/office/drawing/2010/main" Requires="a14">
+      <mc:AlternateContent xmlns:mc="http://schemas.openxmlformats.org/markup-compatibility/2006" xmlns:a14="http://schemas.microsoft.com/office/drawing/2010/main">
+        <mc:Choice Requires="a14">
           <p:sp>
             <p:nvSpPr>
               <p:cNvPr id="35" name="TextBox 34">
@@ -11911,7 +11911,6 @@
               </a:bodyPr>
               <a:lstStyle/>
               <a:p>
-                <a:pPr/>
                 <a:r>
                   <a:rPr lang="it-IT" sz="1801" dirty="0"/>
                   <a:t>64</a:t>
@@ -11931,7 +11930,7 @@
             </p:txBody>
           </p:sp>
         </mc:Choice>
-        <mc:Fallback>
+        <mc:Fallback xmlns="">
           <p:sp>
             <p:nvSpPr>
               <p:cNvPr id="35" name="TextBox 34">
@@ -12068,8 +12067,8 @@
           </a:p>
         </p:txBody>
       </p:sp>
-      <mc:AlternateContent xmlns:mc="http://schemas.openxmlformats.org/markup-compatibility/2006">
-        <mc:Choice xmlns:a14="http://schemas.microsoft.com/office/drawing/2010/main" Requires="a14">
+      <mc:AlternateContent xmlns:mc="http://schemas.openxmlformats.org/markup-compatibility/2006" xmlns:a14="http://schemas.microsoft.com/office/drawing/2010/main">
+        <mc:Choice Requires="a14">
           <p:sp>
             <p:nvSpPr>
               <p:cNvPr id="44" name="TextBox 43">
@@ -12098,6 +12097,7 @@
               </a:bodyPr>
               <a:lstStyle/>
               <a:p>
+                <a:pPr/>
                 <a14:m>
                   <m:oMathPara xmlns:m="http://schemas.openxmlformats.org/officeDocument/2006/math">
                     <m:oMathParaPr>
@@ -12125,7 +12125,7 @@
             </p:txBody>
           </p:sp>
         </mc:Choice>
-        <mc:Fallback>
+        <mc:Fallback xmlns="">
           <p:sp>
             <p:nvSpPr>
               <p:cNvPr id="44" name="TextBox 43">
@@ -12302,8 +12302,8 @@
           </a:p>
         </p:txBody>
       </p:sp>
-      <mc:AlternateContent xmlns:mc="http://schemas.openxmlformats.org/markup-compatibility/2006">
-        <mc:Choice xmlns:a14="http://schemas.microsoft.com/office/drawing/2010/main" Requires="a14">
+      <mc:AlternateContent xmlns:mc="http://schemas.openxmlformats.org/markup-compatibility/2006" xmlns:a14="http://schemas.microsoft.com/office/drawing/2010/main">
+        <mc:Choice Requires="a14">
           <p:sp>
             <p:nvSpPr>
               <p:cNvPr id="47" name="TextBox 46">
@@ -12332,6 +12332,7 @@
               </a:bodyPr>
               <a:lstStyle/>
               <a:p>
+                <a:pPr/>
                 <a14:m>
                   <m:oMathPara xmlns:m="http://schemas.openxmlformats.org/officeDocument/2006/math">
                     <m:oMathParaPr>
@@ -12361,7 +12362,7 @@
             </p:txBody>
           </p:sp>
         </mc:Choice>
-        <mc:Fallback>
+        <mc:Fallback xmlns="">
           <p:sp>
             <p:nvSpPr>
               <p:cNvPr id="47" name="TextBox 46">
@@ -12538,8 +12539,8 @@
           </a:p>
         </p:txBody>
       </p:sp>
-      <mc:AlternateContent xmlns:mc="http://schemas.openxmlformats.org/markup-compatibility/2006">
-        <mc:Choice xmlns:a14="http://schemas.microsoft.com/office/drawing/2010/main" Requires="a14">
+      <mc:AlternateContent xmlns:mc="http://schemas.openxmlformats.org/markup-compatibility/2006" xmlns:a14="http://schemas.microsoft.com/office/drawing/2010/main">
+        <mc:Choice Requires="a14">
           <p:sp>
             <p:nvSpPr>
               <p:cNvPr id="50" name="TextBox 49">
@@ -12568,6 +12569,7 @@
               </a:bodyPr>
               <a:lstStyle/>
               <a:p>
+                <a:pPr/>
                 <a14:m>
                   <m:oMathPara xmlns:m="http://schemas.openxmlformats.org/officeDocument/2006/math">
                     <m:oMathParaPr>
@@ -12597,7 +12599,7 @@
             </p:txBody>
           </p:sp>
         </mc:Choice>
-        <mc:Fallback>
+        <mc:Fallback xmlns="">
           <p:sp>
             <p:nvSpPr>
               <p:cNvPr id="50" name="TextBox 49">
@@ -13006,8 +13008,8 @@
           </a:fontRef>
         </p:style>
       </p:cxnSp>
-      <mc:AlternateContent xmlns:mc="http://schemas.openxmlformats.org/markup-compatibility/2006">
-        <mc:Choice xmlns:a14="http://schemas.microsoft.com/office/drawing/2010/main" Requires="a14">
+      <mc:AlternateContent xmlns:mc="http://schemas.openxmlformats.org/markup-compatibility/2006" xmlns:a14="http://schemas.microsoft.com/office/drawing/2010/main">
+        <mc:Choice Requires="a14">
           <p:sp>
             <p:nvSpPr>
               <p:cNvPr id="61" name="TextBox 60">
@@ -13036,6 +13038,7 @@
               </a:bodyPr>
               <a:lstStyle/>
               <a:p>
+                <a:pPr/>
                 <a14:m>
                   <m:oMathPara xmlns:m="http://schemas.openxmlformats.org/officeDocument/2006/math">
                     <m:oMathParaPr>
@@ -13065,7 +13068,7 @@
             </p:txBody>
           </p:sp>
         </mc:Choice>
-        <mc:Fallback>
+        <mc:Fallback xmlns="">
           <p:sp>
             <p:nvSpPr>
               <p:cNvPr id="61" name="TextBox 60">
@@ -13251,8 +13254,8 @@
           </a:p>
         </p:txBody>
       </p:sp>
-      <mc:AlternateContent xmlns:mc="http://schemas.openxmlformats.org/markup-compatibility/2006">
-        <mc:Choice xmlns:a14="http://schemas.microsoft.com/office/drawing/2010/main" Requires="a14">
+      <mc:AlternateContent xmlns:mc="http://schemas.openxmlformats.org/markup-compatibility/2006" xmlns:a14="http://schemas.microsoft.com/office/drawing/2010/main">
+        <mc:Choice Requires="a14">
           <p:sp>
             <p:nvSpPr>
               <p:cNvPr id="66" name="TextBox 65">
@@ -13281,6 +13284,7 @@
               </a:bodyPr>
               <a:lstStyle/>
               <a:p>
+                <a:pPr/>
                 <a14:m>
                   <m:oMathPara xmlns:m="http://schemas.openxmlformats.org/officeDocument/2006/math">
                     <m:oMathParaPr>
@@ -13301,7 +13305,7 @@
             </p:txBody>
           </p:sp>
         </mc:Choice>
-        <mc:Fallback>
+        <mc:Fallback xmlns="">
           <p:sp>
             <p:nvSpPr>
               <p:cNvPr id="66" name="TextBox 65">
@@ -13802,8 +13806,8 @@
           </a:fontRef>
         </p:style>
       </p:cxnSp>
-      <mc:AlternateContent xmlns:mc="http://schemas.openxmlformats.org/markup-compatibility/2006">
-        <mc:Choice xmlns:a14="http://schemas.microsoft.com/office/drawing/2010/main" Requires="a14">
+      <mc:AlternateContent xmlns:mc="http://schemas.openxmlformats.org/markup-compatibility/2006" xmlns:a14="http://schemas.microsoft.com/office/drawing/2010/main">
+        <mc:Choice Requires="a14">
           <p:sp>
             <p:nvSpPr>
               <p:cNvPr id="79" name="TextBox 78">
@@ -13832,6 +13836,7 @@
               </a:bodyPr>
               <a:lstStyle/>
               <a:p>
+                <a:pPr/>
                 <a14:m>
                   <m:oMathPara xmlns:m="http://schemas.openxmlformats.org/officeDocument/2006/math">
                     <m:oMathParaPr>
@@ -13852,7 +13857,7 @@
             </p:txBody>
           </p:sp>
         </mc:Choice>
-        <mc:Fallback>
+        <mc:Fallback xmlns="">
           <p:sp>
             <p:nvSpPr>
               <p:cNvPr id="79" name="TextBox 78">
@@ -15111,8 +15116,8 @@
           </a:fontRef>
         </p:style>
       </p:cxnSp>
-      <mc:AlternateContent xmlns:mc="http://schemas.openxmlformats.org/markup-compatibility/2006">
-        <mc:Choice xmlns:a14="http://schemas.microsoft.com/office/drawing/2010/main" Requires="a14">
+      <mc:AlternateContent xmlns:mc="http://schemas.openxmlformats.org/markup-compatibility/2006" xmlns:a14="http://schemas.microsoft.com/office/drawing/2010/main">
+        <mc:Choice Requires="a14">
           <p:sp>
             <p:nvSpPr>
               <p:cNvPr id="130" name="TextBox 129">
@@ -15168,7 +15173,7 @@
             </p:txBody>
           </p:sp>
         </mc:Choice>
-        <mc:Fallback>
+        <mc:Fallback xmlns="">
           <p:sp>
             <p:nvSpPr>
               <p:cNvPr id="130" name="TextBox 129">
@@ -15213,8 +15218,8 @@
           </p:sp>
         </mc:Fallback>
       </mc:AlternateContent>
-      <mc:AlternateContent xmlns:mc="http://schemas.openxmlformats.org/markup-compatibility/2006">
-        <mc:Choice xmlns:a14="http://schemas.microsoft.com/office/drawing/2010/main" Requires="a14">
+      <mc:AlternateContent xmlns:mc="http://schemas.openxmlformats.org/markup-compatibility/2006" xmlns:a14="http://schemas.microsoft.com/office/drawing/2010/main">
+        <mc:Choice Requires="a14">
           <p:sp>
             <p:nvSpPr>
               <p:cNvPr id="131" name="TextBox 130">
@@ -15270,7 +15275,7 @@
             </p:txBody>
           </p:sp>
         </mc:Choice>
-        <mc:Fallback>
+        <mc:Fallback xmlns="">
           <p:sp>
             <p:nvSpPr>
               <p:cNvPr id="131" name="TextBox 130">
@@ -18397,6 +18402,96 @@
     <p:extLst>
       <p:ext uri="{BB962C8B-B14F-4D97-AF65-F5344CB8AC3E}">
         <p14:creationId xmlns:p14="http://schemas.microsoft.com/office/powerpoint/2010/main" val="82036982"/>
+      </p:ext>
+    </p:extLst>
+  </p:cSld>
+  <p:clrMapOvr>
+    <a:masterClrMapping/>
+  </p:clrMapOvr>
+</p:sld>
+</file>
+
+<file path=ppt/slides/slide5.xml><?xml version="1.0" encoding="utf-8"?>
+<p:sld xmlns:a="http://schemas.openxmlformats.org/drawingml/2006/main" xmlns:r="http://schemas.openxmlformats.org/officeDocument/2006/relationships" xmlns:p="http://schemas.openxmlformats.org/presentationml/2006/main">
+  <p:cSld>
+    <p:spTree>
+      <p:nvGrpSpPr>
+        <p:cNvPr id="1" name=""/>
+        <p:cNvGrpSpPr/>
+        <p:nvPr/>
+      </p:nvGrpSpPr>
+      <p:grpSpPr>
+        <a:xfrm>
+          <a:off x="0" y="0"/>
+          <a:ext cx="0" cy="0"/>
+          <a:chOff x="0" y="0"/>
+          <a:chExt cx="0" cy="0"/>
+        </a:xfrm>
+      </p:grpSpPr>
+      <p:pic>
+        <p:nvPicPr>
+          <p:cNvPr id="5" name="Picture 4">
+            <a:extLst>
+              <a:ext uri="{FF2B5EF4-FFF2-40B4-BE49-F238E27FC236}">
+                <a16:creationId xmlns:a16="http://schemas.microsoft.com/office/drawing/2014/main" id="{A778581A-00BB-340F-5212-79A5FABF3DAD}"/>
+              </a:ext>
+            </a:extLst>
+          </p:cNvPr>
+          <p:cNvPicPr>
+            <a:picLocks noChangeAspect="1"/>
+          </p:cNvPicPr>
+          <p:nvPr/>
+        </p:nvPicPr>
+        <p:blipFill>
+          <a:blip r:embed="rId2"/>
+          <a:stretch>
+            <a:fillRect/>
+          </a:stretch>
+        </p:blipFill>
+        <p:spPr>
+          <a:xfrm>
+            <a:off x="1529889" y="1075061"/>
+            <a:ext cx="6599957" cy="8023477"/>
+          </a:xfrm>
+          <a:prstGeom prst="rect">
+            <a:avLst/>
+          </a:prstGeom>
+        </p:spPr>
+      </p:pic>
+      <p:pic>
+        <p:nvPicPr>
+          <p:cNvPr id="77" name="Picture 76">
+            <a:extLst>
+              <a:ext uri="{FF2B5EF4-FFF2-40B4-BE49-F238E27FC236}">
+                <a16:creationId xmlns:a16="http://schemas.microsoft.com/office/drawing/2014/main" id="{0B5700F8-7918-59BA-80D4-0AF864B463F1}"/>
+              </a:ext>
+            </a:extLst>
+          </p:cNvPr>
+          <p:cNvPicPr>
+            <a:picLocks noChangeAspect="1"/>
+          </p:cNvPicPr>
+          <p:nvPr/>
+        </p:nvPicPr>
+        <p:blipFill>
+          <a:blip r:embed="rId3"/>
+          <a:stretch>
+            <a:fillRect/>
+          </a:stretch>
+        </p:blipFill>
+        <p:spPr>
+          <a:xfrm>
+            <a:off x="8512568" y="3592568"/>
+            <a:ext cx="11869806" cy="6211167"/>
+          </a:xfrm>
+          <a:prstGeom prst="rect">
+            <a:avLst/>
+          </a:prstGeom>
+        </p:spPr>
+      </p:pic>
+    </p:spTree>
+    <p:extLst>
+      <p:ext uri="{BB962C8B-B14F-4D97-AF65-F5344CB8AC3E}">
+        <p14:creationId xmlns:p14="http://schemas.microsoft.com/office/powerpoint/2010/main" val="2392016573"/>
       </p:ext>
     </p:extLst>
   </p:cSld>
